--- a/分析自習_v0,1.pptx
+++ b/分析自習_v0,1.pptx
@@ -5,7 +5,7 @@
     <p:sldMasterId id="2147483696" r:id="rId1"/>
   </p:sldMasterIdLst>
   <p:notesMasterIdLst>
-    <p:notesMasterId r:id="rId19"/>
+    <p:notesMasterId r:id="rId20"/>
   </p:notesMasterIdLst>
   <p:sldIdLst>
     <p:sldId id="256" r:id="rId2"/>
@@ -22,9 +22,10 @@
     <p:sldId id="274" r:id="rId13"/>
     <p:sldId id="275" r:id="rId14"/>
     <p:sldId id="271" r:id="rId15"/>
-    <p:sldId id="276" r:id="rId16"/>
-    <p:sldId id="278" r:id="rId17"/>
-    <p:sldId id="265" r:id="rId18"/>
+    <p:sldId id="279" r:id="rId16"/>
+    <p:sldId id="276" r:id="rId17"/>
+    <p:sldId id="278" r:id="rId18"/>
+    <p:sldId id="265" r:id="rId19"/>
   </p:sldIdLst>
   <p:sldSz cx="9144000" cy="6858000" type="screen4x3"/>
   <p:notesSz cx="6858000" cy="9144000"/>
@@ -4381,6 +4382,10 @@
               <a:pPr/>
               <a:t>10</a:t>
             </a:fld>
+            <a:r>
+              <a:rPr lang="en-US" altLang="ja-JP" dirty="0"/>
+              <a:t>/18</a:t>
+            </a:r>
             <a:endParaRPr lang="ja-JP" altLang="en-US" dirty="0"/>
           </a:p>
         </p:txBody>
@@ -5392,7 +5397,11 @@
               <a:pPr/>
               <a:t>11</a:t>
             </a:fld>
-            <a:endParaRPr lang="ja-JP" altLang="en-US"/>
+            <a:r>
+              <a:rPr lang="en-US" altLang="ja-JP" dirty="0"/>
+              <a:t>/18</a:t>
+            </a:r>
+            <a:endParaRPr lang="ja-JP" altLang="en-US" dirty="0"/>
           </a:p>
         </p:txBody>
       </p:sp>
@@ -5411,7 +5420,7 @@
         <p:spPr>
           <a:xfrm>
             <a:off x="628650" y="1050185"/>
-            <a:ext cx="7930376" cy="3139321"/>
+            <a:ext cx="7571303" cy="3693319"/>
           </a:xfrm>
           <a:prstGeom prst="rect">
             <a:avLst/>
@@ -5460,21 +5469,7 @@
                 <a:latin typeface="メイリオ" panose="020B0604030504040204" pitchFamily="50" charset="-128"/>
                 <a:ea typeface="メイリオ" panose="020B0604030504040204" pitchFamily="50" charset="-128"/>
               </a:rPr>
-              <a:t>①動画内に出現するオブジェクト数について、オブジェクト数が</a:t>
-            </a:r>
-            <a:r>
-              <a:rPr lang="en-US" altLang="ja-JP" dirty="0">
-                <a:latin typeface="メイリオ" panose="020B0604030504040204" pitchFamily="50" charset="-128"/>
-                <a:ea typeface="メイリオ" panose="020B0604030504040204" pitchFamily="50" charset="-128"/>
-              </a:rPr>
-              <a:t>1</a:t>
-            </a:r>
-            <a:r>
-              <a:rPr lang="ja-JP" altLang="en-US" dirty="0">
-                <a:latin typeface="メイリオ" panose="020B0604030504040204" pitchFamily="50" charset="-128"/>
-                <a:ea typeface="メイリオ" panose="020B0604030504040204" pitchFamily="50" charset="-128"/>
-              </a:rPr>
-              <a:t>つのみの</a:t>
+              <a:t>①データ全体の構成比を確認したところ、一部データに偏りがある</a:t>
             </a:r>
             <a:endParaRPr lang="en-US" altLang="ja-JP" dirty="0">
               <a:latin typeface="メイリオ" panose="020B0604030504040204" pitchFamily="50" charset="-128"/>
@@ -5482,27 +5477,6 @@
             </a:endParaRPr>
           </a:p>
           <a:p>
-            <a:r>
-              <a:rPr lang="ja-JP" altLang="en-US" dirty="0">
-                <a:latin typeface="メイリオ" panose="020B0604030504040204" pitchFamily="50" charset="-128"/>
-                <a:ea typeface="メイリオ" panose="020B0604030504040204" pitchFamily="50" charset="-128"/>
-              </a:rPr>
-              <a:t>　動画が全体の</a:t>
-            </a:r>
-            <a:r>
-              <a:rPr lang="en-US" altLang="ja-JP" dirty="0">
-                <a:latin typeface="メイリオ" panose="020B0604030504040204" pitchFamily="50" charset="-128"/>
-                <a:ea typeface="メイリオ" panose="020B0604030504040204" pitchFamily="50" charset="-128"/>
-              </a:rPr>
-              <a:t>98%</a:t>
-            </a:r>
-            <a:r>
-              <a:rPr lang="ja-JP" altLang="en-US" dirty="0">
-                <a:latin typeface="メイリオ" panose="020B0604030504040204" pitchFamily="50" charset="-128"/>
-                <a:ea typeface="メイリオ" panose="020B0604030504040204" pitchFamily="50" charset="-128"/>
-              </a:rPr>
-              <a:t>弱にも及んでいる</a:t>
-            </a:r>
             <a:endParaRPr lang="en-US" altLang="ja-JP" dirty="0">
               <a:latin typeface="メイリオ" panose="020B0604030504040204" pitchFamily="50" charset="-128"/>
               <a:ea typeface="メイリオ" panose="020B0604030504040204" pitchFamily="50" charset="-128"/>
@@ -5515,6 +5489,39 @@
             </a:endParaRPr>
           </a:p>
           <a:p>
+            <a:r>
+              <a:rPr lang="ja-JP" altLang="en-US" dirty="0">
+                <a:latin typeface="メイリオ" panose="020B0604030504040204" pitchFamily="50" charset="-128"/>
+                <a:ea typeface="メイリオ" panose="020B0604030504040204" pitchFamily="50" charset="-128"/>
+              </a:rPr>
+              <a:t>②オブジェクトの数が少ない場合の方がオブジェクトを認識しやすく</a:t>
+            </a:r>
+            <a:endParaRPr lang="en-US" altLang="ja-JP" dirty="0">
+              <a:latin typeface="メイリオ" panose="020B0604030504040204" pitchFamily="50" charset="-128"/>
+              <a:ea typeface="メイリオ" panose="020B0604030504040204" pitchFamily="50" charset="-128"/>
+            </a:endParaRPr>
+          </a:p>
+          <a:p>
+            <a:r>
+              <a:rPr lang="ja-JP" altLang="en-US" dirty="0">
+                <a:latin typeface="メイリオ" panose="020B0604030504040204" pitchFamily="50" charset="-128"/>
+                <a:ea typeface="メイリオ" panose="020B0604030504040204" pitchFamily="50" charset="-128"/>
+              </a:rPr>
+              <a:t>　なる可能性がある</a:t>
+            </a:r>
+            <a:endParaRPr lang="en-US" altLang="ja-JP" dirty="0">
+              <a:latin typeface="メイリオ" panose="020B0604030504040204" pitchFamily="50" charset="-128"/>
+              <a:ea typeface="メイリオ" panose="020B0604030504040204" pitchFamily="50" charset="-128"/>
+            </a:endParaRPr>
+          </a:p>
+          <a:p>
+            <a:r>
+              <a:rPr lang="ja-JP" altLang="en-US" dirty="0">
+                <a:latin typeface="メイリオ" panose="020B0604030504040204" pitchFamily="50" charset="-128"/>
+                <a:ea typeface="メイリオ" panose="020B0604030504040204" pitchFamily="50" charset="-128"/>
+              </a:rPr>
+              <a:t>　</a:t>
+            </a:r>
             <a:endParaRPr lang="en-US" altLang="ja-JP" dirty="0">
               <a:latin typeface="メイリオ" panose="020B0604030504040204" pitchFamily="50" charset="-128"/>
               <a:ea typeface="メイリオ" panose="020B0604030504040204" pitchFamily="50" charset="-128"/>
@@ -5569,7 +5576,7 @@
         <p:spPr>
           <a:xfrm>
             <a:off x="508337" y="139271"/>
-            <a:ext cx="1107996" cy="369332"/>
+            <a:ext cx="800219" cy="276999"/>
           </a:xfrm>
           <a:prstGeom prst="rect">
             <a:avLst/>
@@ -5582,7 +5589,7 @@
           <a:lstStyle/>
           <a:p>
             <a:r>
-              <a:rPr lang="ja-JP" altLang="en-US" dirty="0">
+              <a:rPr lang="ja-JP" altLang="en-US" sz="1200" dirty="0">
                 <a:solidFill>
                   <a:schemeClr val="bg1"/>
                 </a:solidFill>
@@ -5591,7 +5598,7 @@
               </a:rPr>
               <a:t>基礎集計</a:t>
             </a:r>
-            <a:endParaRPr lang="en-US" altLang="ja-JP" dirty="0">
+            <a:endParaRPr lang="en-US" altLang="ja-JP" sz="1200" dirty="0">
               <a:solidFill>
                 <a:schemeClr val="bg1"/>
               </a:solidFill>
@@ -5687,7 +5694,11 @@
               <a:pPr/>
               <a:t>12</a:t>
             </a:fld>
-            <a:endParaRPr lang="ja-JP" altLang="en-US"/>
+            <a:r>
+              <a:rPr lang="en-US" altLang="ja-JP" dirty="0"/>
+              <a:t>/18</a:t>
+            </a:r>
+            <a:endParaRPr lang="ja-JP" altLang="en-US" dirty="0"/>
           </a:p>
         </p:txBody>
       </p:sp>
@@ -5706,7 +5717,7 @@
         <p:spPr>
           <a:xfrm>
             <a:off x="628650" y="1050185"/>
-            <a:ext cx="4989315" cy="923330"/>
+            <a:ext cx="4989315" cy="1200329"/>
           </a:xfrm>
           <a:prstGeom prst="rect">
             <a:avLst/>
@@ -5724,35 +5735,7 @@
                 <a:latin typeface="メイリオ" panose="020B0604030504040204" pitchFamily="50" charset="-128"/>
                 <a:ea typeface="メイリオ" panose="020B0604030504040204" pitchFamily="50" charset="-128"/>
               </a:rPr>
-              <a:t>全データ中の</a:t>
-            </a:r>
-            <a:r>
-              <a:rPr lang="en-US" altLang="ja-JP" dirty="0">
-                <a:latin typeface="メイリオ" panose="020B0604030504040204" pitchFamily="50" charset="-128"/>
-                <a:ea typeface="メイリオ" panose="020B0604030504040204" pitchFamily="50" charset="-128"/>
-              </a:rPr>
-              <a:t>’</a:t>
-            </a:r>
-            <a:r>
-              <a:rPr lang="en-US" altLang="ja-JP" dirty="0" err="1">
-                <a:latin typeface="メイリオ" panose="020B0604030504040204" pitchFamily="50" charset="-128"/>
-                <a:ea typeface="メイリオ" panose="020B0604030504040204" pitchFamily="50" charset="-128"/>
-              </a:rPr>
-              <a:t>object_presence</a:t>
-            </a:r>
-            <a:r>
-              <a:rPr lang="en-US" altLang="ja-JP" dirty="0">
-                <a:latin typeface="メイリオ" panose="020B0604030504040204" pitchFamily="50" charset="-128"/>
-                <a:ea typeface="メイリオ" panose="020B0604030504040204" pitchFamily="50" charset="-128"/>
-              </a:rPr>
-              <a:t>’</a:t>
-            </a:r>
-            <a:r>
-              <a:rPr lang="ja-JP" altLang="en-US" dirty="0">
-                <a:latin typeface="メイリオ" panose="020B0604030504040204" pitchFamily="50" charset="-128"/>
-                <a:ea typeface="メイリオ" panose="020B0604030504040204" pitchFamily="50" charset="-128"/>
-              </a:rPr>
-              <a:t>の割合構成</a:t>
+              <a:t>①について</a:t>
             </a:r>
             <a:endParaRPr lang="en-US" altLang="ja-JP" dirty="0">
               <a:latin typeface="メイリオ" panose="020B0604030504040204" pitchFamily="50" charset="-128"/>
@@ -5771,7 +5754,48 @@
                 <a:latin typeface="メイリオ" panose="020B0604030504040204" pitchFamily="50" charset="-128"/>
                 <a:ea typeface="メイリオ" panose="020B0604030504040204" pitchFamily="50" charset="-128"/>
               </a:rPr>
-              <a:t>‘present’</a:t>
+              <a:t>‘</a:t>
+            </a:r>
+            <a:r>
+              <a:rPr lang="en-US" altLang="ja-JP" dirty="0" err="1">
+                <a:latin typeface="メイリオ" panose="020B0604030504040204" pitchFamily="50" charset="-128"/>
+                <a:ea typeface="メイリオ" panose="020B0604030504040204" pitchFamily="50" charset="-128"/>
+              </a:rPr>
+              <a:t>object_presence</a:t>
+            </a:r>
+            <a:r>
+              <a:rPr lang="en-US" altLang="ja-JP" dirty="0">
+                <a:latin typeface="メイリオ" panose="020B0604030504040204" pitchFamily="50" charset="-128"/>
+                <a:ea typeface="メイリオ" panose="020B0604030504040204" pitchFamily="50" charset="-128"/>
+              </a:rPr>
+              <a:t>’</a:t>
+            </a:r>
+            <a:r>
+              <a:rPr lang="ja-JP" altLang="en-US" dirty="0">
+                <a:latin typeface="メイリオ" panose="020B0604030504040204" pitchFamily="50" charset="-128"/>
+                <a:ea typeface="メイリオ" panose="020B0604030504040204" pitchFamily="50" charset="-128"/>
+              </a:rPr>
+              <a:t>のデータについて、</a:t>
+            </a:r>
+            <a:endParaRPr lang="en-US" altLang="ja-JP" dirty="0">
+              <a:latin typeface="メイリオ" panose="020B0604030504040204" pitchFamily="50" charset="-128"/>
+              <a:ea typeface="メイリオ" panose="020B0604030504040204" pitchFamily="50" charset="-128"/>
+            </a:endParaRPr>
+          </a:p>
+          <a:p>
+            <a:r>
+              <a:rPr lang="ja-JP" altLang="en-US" dirty="0">
+                <a:latin typeface="メイリオ" panose="020B0604030504040204" pitchFamily="50" charset="-128"/>
+                <a:ea typeface="メイリオ" panose="020B0604030504040204" pitchFamily="50" charset="-128"/>
+              </a:rPr>
+              <a:t>‘</a:t>
+            </a:r>
+            <a:r>
+              <a:rPr lang="en-US" altLang="ja-JP" dirty="0">
+                <a:latin typeface="メイリオ" panose="020B0604030504040204" pitchFamily="50" charset="-128"/>
+                <a:ea typeface="メイリオ" panose="020B0604030504040204" pitchFamily="50" charset="-128"/>
+              </a:rPr>
+              <a:t>present’</a:t>
             </a:r>
             <a:r>
               <a:rPr lang="ja-JP" altLang="en-US" dirty="0">
@@ -6112,7 +6136,11 @@
               <a:pPr/>
               <a:t>13</a:t>
             </a:fld>
-            <a:endParaRPr lang="ja-JP" altLang="en-US"/>
+            <a:r>
+              <a:rPr lang="en-US" altLang="ja-JP" dirty="0"/>
+              <a:t>/18</a:t>
+            </a:r>
+            <a:endParaRPr lang="ja-JP" altLang="en-US" dirty="0"/>
           </a:p>
         </p:txBody>
       </p:sp>
@@ -6131,7 +6159,7 @@
         <p:spPr>
           <a:xfrm>
             <a:off x="628650" y="1050185"/>
-            <a:ext cx="7290265" cy="1200329"/>
+            <a:ext cx="7290265" cy="1477328"/>
           </a:xfrm>
           <a:prstGeom prst="rect">
             <a:avLst/>
@@ -6149,7 +6177,7 @@
                 <a:latin typeface="メイリオ" panose="020B0604030504040204" pitchFamily="50" charset="-128"/>
                 <a:ea typeface="メイリオ" panose="020B0604030504040204" pitchFamily="50" charset="-128"/>
               </a:rPr>
-              <a:t>オブジェクト別の動画数</a:t>
+              <a:t>①について</a:t>
             </a:r>
             <a:endParaRPr lang="en-US" altLang="ja-JP" dirty="0">
               <a:latin typeface="メイリオ" panose="020B0604030504040204" pitchFamily="50" charset="-128"/>
@@ -6164,18 +6192,11 @@
           </a:p>
           <a:p>
             <a:r>
-              <a:rPr lang="en-US" altLang="ja-JP" dirty="0">
-                <a:latin typeface="メイリオ" panose="020B0604030504040204" pitchFamily="50" charset="-128"/>
-                <a:ea typeface="メイリオ" panose="020B0604030504040204" pitchFamily="50" charset="-128"/>
-              </a:rPr>
-              <a:t>‘person’, ’cat’</a:t>
-            </a:r>
-            <a:r>
               <a:rPr lang="ja-JP" altLang="en-US" dirty="0">
                 <a:latin typeface="メイリオ" panose="020B0604030504040204" pitchFamily="50" charset="-128"/>
                 <a:ea typeface="メイリオ" panose="020B0604030504040204" pitchFamily="50" charset="-128"/>
               </a:rPr>
-              <a:t>の動画は他のデータよりも動画数が多くなっています</a:t>
+              <a:t>各オブジェクトが登場する動画数を確認したところ、</a:t>
             </a:r>
             <a:endParaRPr lang="en-US" altLang="ja-JP" dirty="0">
               <a:latin typeface="メイリオ" panose="020B0604030504040204" pitchFamily="50" charset="-128"/>
@@ -6184,12 +6205,25 @@
           </a:p>
           <a:p>
             <a:r>
+              <a:rPr lang="en-US" altLang="ja-JP" dirty="0">
+                <a:latin typeface="メイリオ" panose="020B0604030504040204" pitchFamily="50" charset="-128"/>
+                <a:ea typeface="メイリオ" panose="020B0604030504040204" pitchFamily="50" charset="-128"/>
+              </a:rPr>
+              <a:t>‘person’, ’cat’</a:t>
+            </a:r>
+            <a:r>
               <a:rPr lang="ja-JP" altLang="en-US" dirty="0">
                 <a:latin typeface="メイリオ" panose="020B0604030504040204" pitchFamily="50" charset="-128"/>
                 <a:ea typeface="メイリオ" panose="020B0604030504040204" pitchFamily="50" charset="-128"/>
               </a:rPr>
-              <a:t>また、</a:t>
-            </a:r>
+              <a:t>の動画は他のデータよりも動画数が多くなっており、</a:t>
+            </a:r>
+            <a:endParaRPr lang="en-US" altLang="ja-JP" dirty="0">
+              <a:latin typeface="メイリオ" panose="020B0604030504040204" pitchFamily="50" charset="-128"/>
+              <a:ea typeface="メイリオ" panose="020B0604030504040204" pitchFamily="50" charset="-128"/>
+            </a:endParaRPr>
+          </a:p>
+          <a:p>
             <a:r>
               <a:rPr lang="en-US" altLang="ja-JP" dirty="0">
                 <a:latin typeface="メイリオ" panose="020B0604030504040204" pitchFamily="50" charset="-128"/>
@@ -6758,7 +6792,11 @@
               <a:pPr/>
               <a:t>14</a:t>
             </a:fld>
-            <a:endParaRPr lang="ja-JP" altLang="en-US"/>
+            <a:r>
+              <a:rPr lang="en-US" altLang="ja-JP" dirty="0"/>
+              <a:t>/18</a:t>
+            </a:r>
+            <a:endParaRPr lang="ja-JP" altLang="en-US" dirty="0"/>
           </a:p>
         </p:txBody>
       </p:sp>
@@ -7354,6 +7392,680 @@
           <p:cNvPr id="2" name="日付プレースホルダー 1">
             <a:extLst>
               <a:ext uri="{FF2B5EF4-FFF2-40B4-BE49-F238E27FC236}">
+                <a16:creationId xmlns:a16="http://schemas.microsoft.com/office/drawing/2014/main" id="{BECBBD90-D288-430C-B5D0-D00B4C591C67}"/>
+              </a:ext>
+            </a:extLst>
+          </p:cNvPr>
+          <p:cNvSpPr>
+            <a:spLocks noGrp="1"/>
+          </p:cNvSpPr>
+          <p:nvPr>
+            <p:ph type="dt" sz="half" idx="10"/>
+          </p:nvPr>
+        </p:nvSpPr>
+        <p:spPr/>
+        <p:txBody>
+          <a:bodyPr/>
+          <a:lstStyle/>
+          <a:p>
+            <a:fld id="{ADB91A45-3EC6-4B1F-A815-510BB44D3837}" type="datetime1">
+              <a:rPr lang="ja-JP" altLang="en-US" smtClean="0"/>
+              <a:pPr/>
+              <a:t>2018/8/29</a:t>
+            </a:fld>
+            <a:endParaRPr lang="ja-JP" altLang="en-US"/>
+          </a:p>
+        </p:txBody>
+      </p:sp>
+      <p:sp>
+        <p:nvSpPr>
+          <p:cNvPr id="3" name="スライド番号プレースホルダー 2">
+            <a:extLst>
+              <a:ext uri="{FF2B5EF4-FFF2-40B4-BE49-F238E27FC236}">
+                <a16:creationId xmlns:a16="http://schemas.microsoft.com/office/drawing/2014/main" id="{67B3CDDB-9B54-4B6D-93BE-1F667918071F}"/>
+              </a:ext>
+            </a:extLst>
+          </p:cNvPr>
+          <p:cNvSpPr>
+            <a:spLocks noGrp="1"/>
+          </p:cNvSpPr>
+          <p:nvPr>
+            <p:ph type="sldNum" sz="quarter" idx="12"/>
+          </p:nvPr>
+        </p:nvSpPr>
+        <p:spPr/>
+        <p:txBody>
+          <a:bodyPr/>
+          <a:lstStyle/>
+          <a:p>
+            <a:fld id="{028E0EE4-20CD-4C8E-8CEF-2E9D9CC1E420}" type="slidenum">
+              <a:rPr lang="ja-JP" altLang="en-US" smtClean="0"/>
+              <a:pPr/>
+              <a:t>15</a:t>
+            </a:fld>
+            <a:r>
+              <a:rPr lang="en-US" altLang="ja-JP" dirty="0"/>
+              <a:t>/18</a:t>
+            </a:r>
+            <a:endParaRPr lang="ja-JP" altLang="en-US" dirty="0"/>
+          </a:p>
+        </p:txBody>
+      </p:sp>
+      <p:sp>
+        <p:nvSpPr>
+          <p:cNvPr id="4" name="テキスト ボックス 3">
+            <a:extLst>
+              <a:ext uri="{FF2B5EF4-FFF2-40B4-BE49-F238E27FC236}">
+                <a16:creationId xmlns:a16="http://schemas.microsoft.com/office/drawing/2014/main" id="{977F120A-92D1-4CFC-BCEF-D34AE998767A}"/>
+              </a:ext>
+            </a:extLst>
+          </p:cNvPr>
+          <p:cNvSpPr txBox="1"/>
+          <p:nvPr/>
+        </p:nvSpPr>
+        <p:spPr>
+          <a:xfrm>
+            <a:off x="628650" y="1050185"/>
+            <a:ext cx="6878806" cy="1200329"/>
+          </a:xfrm>
+          <a:prstGeom prst="rect">
+            <a:avLst/>
+          </a:prstGeom>
+          <a:noFill/>
+        </p:spPr>
+        <p:txBody>
+          <a:bodyPr wrap="none" rtlCol="0">
+            <a:spAutoFit/>
+          </a:bodyPr>
+          <a:lstStyle/>
+          <a:p>
+            <a:r>
+              <a:rPr lang="ja-JP" altLang="en-US" dirty="0">
+                <a:latin typeface="メイリオ" panose="020B0604030504040204" pitchFamily="50" charset="-128"/>
+                <a:ea typeface="メイリオ" panose="020B0604030504040204" pitchFamily="50" charset="-128"/>
+              </a:rPr>
+              <a:t>②について</a:t>
+            </a:r>
+            <a:endParaRPr lang="en-US" altLang="ja-JP" dirty="0">
+              <a:latin typeface="メイリオ" panose="020B0604030504040204" pitchFamily="50" charset="-128"/>
+              <a:ea typeface="メイリオ" panose="020B0604030504040204" pitchFamily="50" charset="-128"/>
+            </a:endParaRPr>
+          </a:p>
+          <a:p>
+            <a:endParaRPr lang="en-US" altLang="ja-JP" dirty="0">
+              <a:latin typeface="メイリオ" panose="020B0604030504040204" pitchFamily="50" charset="-128"/>
+              <a:ea typeface="メイリオ" panose="020B0604030504040204" pitchFamily="50" charset="-128"/>
+            </a:endParaRPr>
+          </a:p>
+          <a:p>
+            <a:r>
+              <a:rPr lang="ja-JP" altLang="en-US" dirty="0">
+                <a:latin typeface="メイリオ" panose="020B0604030504040204" pitchFamily="50" charset="-128"/>
+                <a:ea typeface="メイリオ" panose="020B0604030504040204" pitchFamily="50" charset="-128"/>
+              </a:rPr>
+              <a:t>オブジェクト数が少ない動画では、オブジェクトの認識している</a:t>
+            </a:r>
+            <a:endParaRPr lang="en-US" altLang="ja-JP" dirty="0">
+              <a:latin typeface="メイリオ" panose="020B0604030504040204" pitchFamily="50" charset="-128"/>
+              <a:ea typeface="メイリオ" panose="020B0604030504040204" pitchFamily="50" charset="-128"/>
+            </a:endParaRPr>
+          </a:p>
+          <a:p>
+            <a:r>
+              <a:rPr lang="ja-JP" altLang="en-US" dirty="0">
+                <a:latin typeface="メイリオ" panose="020B0604030504040204" pitchFamily="50" charset="-128"/>
+                <a:ea typeface="メイリオ" panose="020B0604030504040204" pitchFamily="50" charset="-128"/>
+              </a:rPr>
+              <a:t>割合が高くなっていました</a:t>
+            </a:r>
+            <a:endParaRPr lang="en-US" altLang="ja-JP" dirty="0">
+              <a:latin typeface="メイリオ" panose="020B0604030504040204" pitchFamily="50" charset="-128"/>
+              <a:ea typeface="メイリオ" panose="020B0604030504040204" pitchFamily="50" charset="-128"/>
+            </a:endParaRPr>
+          </a:p>
+        </p:txBody>
+      </p:sp>
+      <p:graphicFrame>
+        <p:nvGraphicFramePr>
+          <p:cNvPr id="11" name="表 10">
+            <a:extLst>
+              <a:ext uri="{FF2B5EF4-FFF2-40B4-BE49-F238E27FC236}">
+                <a16:creationId xmlns:a16="http://schemas.microsoft.com/office/drawing/2014/main" id="{42B2EB05-0500-44F9-A7DB-E84C0111A7CA}"/>
+              </a:ext>
+            </a:extLst>
+          </p:cNvPr>
+          <p:cNvGraphicFramePr>
+            <a:graphicFrameLocks noGrp="1"/>
+          </p:cNvGraphicFramePr>
+          <p:nvPr>
+            <p:extLst>
+              <p:ext uri="{D42A27DB-BD31-4B8C-83A1-F6EECF244321}">
+                <p14:modId xmlns:p14="http://schemas.microsoft.com/office/powerpoint/2010/main" val="1334665307"/>
+              </p:ext>
+            </p:extLst>
+          </p:nvPr>
+        </p:nvGraphicFramePr>
+        <p:xfrm>
+          <a:off x="4679221" y="3914154"/>
+          <a:ext cx="3187774" cy="1783080"/>
+        </p:xfrm>
+        <a:graphic>
+          <a:graphicData uri="http://schemas.openxmlformats.org/drawingml/2006/table">
+            <a:tbl>
+              <a:tblPr firstRow="1" bandRow="1">
+                <a:tableStyleId>{5C22544A-7EE6-4342-B048-85BDC9FD1C3A}</a:tableStyleId>
+              </a:tblPr>
+              <a:tblGrid>
+                <a:gridCol w="1550232">
+                  <a:extLst>
+                    <a:ext uri="{9D8B030D-6E8A-4147-A177-3AD203B41FA5}">
+                      <a16:colId xmlns:a16="http://schemas.microsoft.com/office/drawing/2014/main" val="1469194147"/>
+                    </a:ext>
+                  </a:extLst>
+                </a:gridCol>
+                <a:gridCol w="711712">
+                  <a:extLst>
+                    <a:ext uri="{9D8B030D-6E8A-4147-A177-3AD203B41FA5}">
+                      <a16:colId xmlns:a16="http://schemas.microsoft.com/office/drawing/2014/main" val="4234495305"/>
+                    </a:ext>
+                  </a:extLst>
+                </a:gridCol>
+                <a:gridCol w="925830">
+                  <a:extLst>
+                    <a:ext uri="{9D8B030D-6E8A-4147-A177-3AD203B41FA5}">
+                      <a16:colId xmlns:a16="http://schemas.microsoft.com/office/drawing/2014/main" val="222443491"/>
+                    </a:ext>
+                  </a:extLst>
+                </a:gridCol>
+              </a:tblGrid>
+              <a:tr h="137275">
+                <a:tc>
+                  <a:txBody>
+                    <a:bodyPr/>
+                    <a:lstStyle/>
+                    <a:p>
+                      <a:r>
+                        <a:rPr kumimoji="1" lang="ja-JP" altLang="en-US" dirty="0">
+                          <a:latin typeface="メイリオ" panose="020B0604030504040204" pitchFamily="50" charset="-128"/>
+                          <a:ea typeface="メイリオ" panose="020B0604030504040204" pitchFamily="50" charset="-128"/>
+                        </a:rPr>
+                        <a:t>オブジェクト数</a:t>
+                      </a:r>
+                      <a:endParaRPr kumimoji="1" lang="en-US" altLang="ja-JP" dirty="0">
+                        <a:latin typeface="メイリオ" panose="020B0604030504040204" pitchFamily="50" charset="-128"/>
+                        <a:ea typeface="メイリオ" panose="020B0604030504040204" pitchFamily="50" charset="-128"/>
+                      </a:endParaRPr>
+                    </a:p>
+                  </a:txBody>
+                  <a:tcPr/>
+                </a:tc>
+                <a:tc>
+                  <a:txBody>
+                    <a:bodyPr/>
+                    <a:lstStyle/>
+                    <a:p>
+                      <a:r>
+                        <a:rPr kumimoji="1" lang="ja-JP" altLang="en-US" dirty="0">
+                          <a:latin typeface="メイリオ" panose="020B0604030504040204" pitchFamily="50" charset="-128"/>
+                          <a:ea typeface="メイリオ" panose="020B0604030504040204" pitchFamily="50" charset="-128"/>
+                        </a:rPr>
+                        <a:t>青</a:t>
+                      </a:r>
+                    </a:p>
+                  </a:txBody>
+                  <a:tcPr/>
+                </a:tc>
+                <a:tc>
+                  <a:txBody>
+                    <a:bodyPr/>
+                    <a:lstStyle/>
+                    <a:p>
+                      <a:r>
+                        <a:rPr kumimoji="1" lang="ja-JP" altLang="en-US" dirty="0">
+                          <a:latin typeface="メイリオ" panose="020B0604030504040204" pitchFamily="50" charset="-128"/>
+                          <a:ea typeface="メイリオ" panose="020B0604030504040204" pitchFamily="50" charset="-128"/>
+                        </a:rPr>
+                        <a:t>オレンジ</a:t>
+                      </a:r>
+                      <a:endParaRPr kumimoji="1" lang="en-US" altLang="ja-JP" dirty="0">
+                        <a:latin typeface="メイリオ" panose="020B0604030504040204" pitchFamily="50" charset="-128"/>
+                        <a:ea typeface="メイリオ" panose="020B0604030504040204" pitchFamily="50" charset="-128"/>
+                      </a:endParaRPr>
+                    </a:p>
+                  </a:txBody>
+                  <a:tcPr/>
+                </a:tc>
+                <a:extLst>
+                  <a:ext uri="{0D108BD9-81ED-4DB2-BD59-A6C34878D82A}">
+                    <a16:rowId xmlns:a16="http://schemas.microsoft.com/office/drawing/2014/main" val="2075796444"/>
+                  </a:ext>
+                </a:extLst>
+              </a:tr>
+              <a:tr h="128947">
+                <a:tc>
+                  <a:txBody>
+                    <a:bodyPr/>
+                    <a:lstStyle/>
+                    <a:p>
+                      <a:pPr algn="r"/>
+                      <a:r>
+                        <a:rPr kumimoji="1" lang="en-US" altLang="ja-JP" dirty="0">
+                          <a:latin typeface="メイリオ" panose="020B0604030504040204" pitchFamily="50" charset="-128"/>
+                          <a:ea typeface="メイリオ" panose="020B0604030504040204" pitchFamily="50" charset="-128"/>
+                        </a:rPr>
+                        <a:t>1</a:t>
+                      </a:r>
+                      <a:endParaRPr kumimoji="1" lang="ja-JP" altLang="en-US" dirty="0">
+                        <a:latin typeface="メイリオ" panose="020B0604030504040204" pitchFamily="50" charset="-128"/>
+                        <a:ea typeface="メイリオ" panose="020B0604030504040204" pitchFamily="50" charset="-128"/>
+                      </a:endParaRPr>
+                    </a:p>
+                  </a:txBody>
+                  <a:tcPr/>
+                </a:tc>
+                <a:tc>
+                  <a:txBody>
+                    <a:bodyPr/>
+                    <a:lstStyle/>
+                    <a:p>
+                      <a:pPr algn="r"/>
+                      <a:r>
+                        <a:rPr kumimoji="1" lang="en-US" altLang="ja-JP" dirty="0">
+                          <a:latin typeface="メイリオ" panose="020B0604030504040204" pitchFamily="50" charset="-128"/>
+                          <a:ea typeface="メイリオ" panose="020B0604030504040204" pitchFamily="50" charset="-128"/>
+                        </a:rPr>
+                        <a:t>90.57</a:t>
+                      </a:r>
+                      <a:endParaRPr kumimoji="1" lang="ja-JP" altLang="en-US" dirty="0">
+                        <a:latin typeface="メイリオ" panose="020B0604030504040204" pitchFamily="50" charset="-128"/>
+                        <a:ea typeface="メイリオ" panose="020B0604030504040204" pitchFamily="50" charset="-128"/>
+                      </a:endParaRPr>
+                    </a:p>
+                  </a:txBody>
+                  <a:tcPr/>
+                </a:tc>
+                <a:tc>
+                  <a:txBody>
+                    <a:bodyPr/>
+                    <a:lstStyle/>
+                    <a:p>
+                      <a:pPr algn="r"/>
+                      <a:r>
+                        <a:rPr kumimoji="1" lang="en-US" altLang="ja-JP" dirty="0">
+                          <a:latin typeface="メイリオ" panose="020B0604030504040204" pitchFamily="50" charset="-128"/>
+                          <a:ea typeface="メイリオ" panose="020B0604030504040204" pitchFamily="50" charset="-128"/>
+                        </a:rPr>
+                        <a:t>9.43</a:t>
+                      </a:r>
+                      <a:endParaRPr kumimoji="1" lang="ja-JP" altLang="en-US" dirty="0">
+                        <a:latin typeface="メイリオ" panose="020B0604030504040204" pitchFamily="50" charset="-128"/>
+                        <a:ea typeface="メイリオ" panose="020B0604030504040204" pitchFamily="50" charset="-128"/>
+                      </a:endParaRPr>
+                    </a:p>
+                  </a:txBody>
+                  <a:tcPr/>
+                </a:tc>
+                <a:extLst>
+                  <a:ext uri="{0D108BD9-81ED-4DB2-BD59-A6C34878D82A}">
+                    <a16:rowId xmlns:a16="http://schemas.microsoft.com/office/drawing/2014/main" val="2924070424"/>
+                  </a:ext>
+                </a:extLst>
+              </a:tr>
+              <a:tr h="128947">
+                <a:tc>
+                  <a:txBody>
+                    <a:bodyPr/>
+                    <a:lstStyle/>
+                    <a:p>
+                      <a:pPr algn="r"/>
+                      <a:r>
+                        <a:rPr kumimoji="1" lang="en-US" altLang="ja-JP" dirty="0">
+                          <a:latin typeface="メイリオ" panose="020B0604030504040204" pitchFamily="50" charset="-128"/>
+                          <a:ea typeface="メイリオ" panose="020B0604030504040204" pitchFamily="50" charset="-128"/>
+                        </a:rPr>
+                        <a:t>2</a:t>
+                      </a:r>
+                      <a:endParaRPr kumimoji="1" lang="ja-JP" altLang="en-US" dirty="0">
+                        <a:latin typeface="メイリオ" panose="020B0604030504040204" pitchFamily="50" charset="-128"/>
+                        <a:ea typeface="メイリオ" panose="020B0604030504040204" pitchFamily="50" charset="-128"/>
+                      </a:endParaRPr>
+                    </a:p>
+                  </a:txBody>
+                  <a:tcPr/>
+                </a:tc>
+                <a:tc>
+                  <a:txBody>
+                    <a:bodyPr/>
+                    <a:lstStyle/>
+                    <a:p>
+                      <a:pPr algn="r"/>
+                      <a:r>
+                        <a:rPr kumimoji="1" lang="en-US" altLang="ja-JP" dirty="0">
+                          <a:latin typeface="メイリオ" panose="020B0604030504040204" pitchFamily="50" charset="-128"/>
+                          <a:ea typeface="メイリオ" panose="020B0604030504040204" pitchFamily="50" charset="-128"/>
+                        </a:rPr>
+                        <a:t>87.34</a:t>
+                      </a:r>
+                      <a:endParaRPr kumimoji="1" lang="ja-JP" altLang="en-US" dirty="0">
+                        <a:latin typeface="メイリオ" panose="020B0604030504040204" pitchFamily="50" charset="-128"/>
+                        <a:ea typeface="メイリオ" panose="020B0604030504040204" pitchFamily="50" charset="-128"/>
+                      </a:endParaRPr>
+                    </a:p>
+                  </a:txBody>
+                  <a:tcPr/>
+                </a:tc>
+                <a:tc>
+                  <a:txBody>
+                    <a:bodyPr/>
+                    <a:lstStyle/>
+                    <a:p>
+                      <a:pPr algn="r"/>
+                      <a:r>
+                        <a:rPr kumimoji="1" lang="en-US" altLang="ja-JP" dirty="0">
+                          <a:latin typeface="メイリオ" panose="020B0604030504040204" pitchFamily="50" charset="-128"/>
+                          <a:ea typeface="メイリオ" panose="020B0604030504040204" pitchFamily="50" charset="-128"/>
+                        </a:rPr>
+                        <a:t>12.66</a:t>
+                      </a:r>
+                      <a:endParaRPr kumimoji="1" lang="ja-JP" altLang="en-US" dirty="0">
+                        <a:latin typeface="メイリオ" panose="020B0604030504040204" pitchFamily="50" charset="-128"/>
+                        <a:ea typeface="メイリオ" panose="020B0604030504040204" pitchFamily="50" charset="-128"/>
+                      </a:endParaRPr>
+                    </a:p>
+                  </a:txBody>
+                  <a:tcPr/>
+                </a:tc>
+                <a:extLst>
+                  <a:ext uri="{0D108BD9-81ED-4DB2-BD59-A6C34878D82A}">
+                    <a16:rowId xmlns:a16="http://schemas.microsoft.com/office/drawing/2014/main" val="3456076607"/>
+                  </a:ext>
+                </a:extLst>
+              </a:tr>
+              <a:tr h="128947">
+                <a:tc>
+                  <a:txBody>
+                    <a:bodyPr/>
+                    <a:lstStyle/>
+                    <a:p>
+                      <a:pPr algn="r"/>
+                      <a:r>
+                        <a:rPr kumimoji="1" lang="en-US" altLang="ja-JP" dirty="0">
+                          <a:latin typeface="メイリオ" panose="020B0604030504040204" pitchFamily="50" charset="-128"/>
+                          <a:ea typeface="メイリオ" panose="020B0604030504040204" pitchFamily="50" charset="-128"/>
+                        </a:rPr>
+                        <a:t>3</a:t>
+                      </a:r>
+                      <a:endParaRPr kumimoji="1" lang="ja-JP" altLang="en-US" dirty="0">
+                        <a:latin typeface="メイリオ" panose="020B0604030504040204" pitchFamily="50" charset="-128"/>
+                        <a:ea typeface="メイリオ" panose="020B0604030504040204" pitchFamily="50" charset="-128"/>
+                      </a:endParaRPr>
+                    </a:p>
+                  </a:txBody>
+                  <a:tcPr/>
+                </a:tc>
+                <a:tc>
+                  <a:txBody>
+                    <a:bodyPr/>
+                    <a:lstStyle/>
+                    <a:p>
+                      <a:pPr algn="r"/>
+                      <a:r>
+                        <a:rPr kumimoji="1" lang="en-US" altLang="ja-JP" dirty="0">
+                          <a:latin typeface="メイリオ" panose="020B0604030504040204" pitchFamily="50" charset="-128"/>
+                          <a:ea typeface="メイリオ" panose="020B0604030504040204" pitchFamily="50" charset="-128"/>
+                        </a:rPr>
+                        <a:t>77.52</a:t>
+                      </a:r>
+                      <a:endParaRPr kumimoji="1" lang="ja-JP" altLang="en-US" dirty="0">
+                        <a:latin typeface="メイリオ" panose="020B0604030504040204" pitchFamily="50" charset="-128"/>
+                        <a:ea typeface="メイリオ" panose="020B0604030504040204" pitchFamily="50" charset="-128"/>
+                      </a:endParaRPr>
+                    </a:p>
+                  </a:txBody>
+                  <a:tcPr/>
+                </a:tc>
+                <a:tc>
+                  <a:txBody>
+                    <a:bodyPr/>
+                    <a:lstStyle/>
+                    <a:p>
+                      <a:pPr algn="r"/>
+                      <a:r>
+                        <a:rPr kumimoji="1" lang="en-US" altLang="ja-JP" dirty="0">
+                          <a:latin typeface="メイリオ" panose="020B0604030504040204" pitchFamily="50" charset="-128"/>
+                          <a:ea typeface="メイリオ" panose="020B0604030504040204" pitchFamily="50" charset="-128"/>
+                        </a:rPr>
+                        <a:t>22.48</a:t>
+                      </a:r>
+                      <a:endParaRPr kumimoji="1" lang="ja-JP" altLang="en-US" dirty="0">
+                        <a:latin typeface="メイリオ" panose="020B0604030504040204" pitchFamily="50" charset="-128"/>
+                        <a:ea typeface="メイリオ" panose="020B0604030504040204" pitchFamily="50" charset="-128"/>
+                      </a:endParaRPr>
+                    </a:p>
+                  </a:txBody>
+                  <a:tcPr/>
+                </a:tc>
+                <a:extLst>
+                  <a:ext uri="{0D108BD9-81ED-4DB2-BD59-A6C34878D82A}">
+                    <a16:rowId xmlns:a16="http://schemas.microsoft.com/office/drawing/2014/main" val="1722804654"/>
+                  </a:ext>
+                </a:extLst>
+              </a:tr>
+              <a:tr h="128947">
+                <a:tc>
+                  <a:txBody>
+                    <a:bodyPr/>
+                    <a:lstStyle/>
+                    <a:p>
+                      <a:pPr algn="r"/>
+                      <a:r>
+                        <a:rPr kumimoji="1" lang="en-US" altLang="ja-JP" dirty="0">
+                          <a:latin typeface="メイリオ" panose="020B0604030504040204" pitchFamily="50" charset="-128"/>
+                          <a:ea typeface="メイリオ" panose="020B0604030504040204" pitchFamily="50" charset="-128"/>
+                        </a:rPr>
+                        <a:t>4</a:t>
+                      </a:r>
+                      <a:endParaRPr kumimoji="1" lang="ja-JP" altLang="en-US" dirty="0">
+                        <a:latin typeface="メイリオ" panose="020B0604030504040204" pitchFamily="50" charset="-128"/>
+                        <a:ea typeface="メイリオ" panose="020B0604030504040204" pitchFamily="50" charset="-128"/>
+                      </a:endParaRPr>
+                    </a:p>
+                  </a:txBody>
+                  <a:tcPr/>
+                </a:tc>
+                <a:tc>
+                  <a:txBody>
+                    <a:bodyPr/>
+                    <a:lstStyle/>
+                    <a:p>
+                      <a:pPr algn="r"/>
+                      <a:r>
+                        <a:rPr kumimoji="1" lang="en-US" altLang="ja-JP" dirty="0">
+                          <a:latin typeface="メイリオ" panose="020B0604030504040204" pitchFamily="50" charset="-128"/>
+                          <a:ea typeface="メイリオ" panose="020B0604030504040204" pitchFamily="50" charset="-128"/>
+                        </a:rPr>
+                        <a:t>83.63</a:t>
+                      </a:r>
+                      <a:endParaRPr kumimoji="1" lang="ja-JP" altLang="en-US" dirty="0">
+                        <a:latin typeface="メイリオ" panose="020B0604030504040204" pitchFamily="50" charset="-128"/>
+                        <a:ea typeface="メイリオ" panose="020B0604030504040204" pitchFamily="50" charset="-128"/>
+                      </a:endParaRPr>
+                    </a:p>
+                  </a:txBody>
+                  <a:tcPr/>
+                </a:tc>
+                <a:tc>
+                  <a:txBody>
+                    <a:bodyPr/>
+                    <a:lstStyle/>
+                    <a:p>
+                      <a:pPr algn="r"/>
+                      <a:r>
+                        <a:rPr kumimoji="1" lang="en-US" altLang="ja-JP" dirty="0">
+                          <a:latin typeface="メイリオ" panose="020B0604030504040204" pitchFamily="50" charset="-128"/>
+                          <a:ea typeface="メイリオ" panose="020B0604030504040204" pitchFamily="50" charset="-128"/>
+                        </a:rPr>
+                        <a:t>16.37</a:t>
+                      </a:r>
+                      <a:endParaRPr kumimoji="1" lang="ja-JP" altLang="en-US" dirty="0">
+                        <a:latin typeface="メイリオ" panose="020B0604030504040204" pitchFamily="50" charset="-128"/>
+                        <a:ea typeface="メイリオ" panose="020B0604030504040204" pitchFamily="50" charset="-128"/>
+                      </a:endParaRPr>
+                    </a:p>
+                  </a:txBody>
+                  <a:tcPr/>
+                </a:tc>
+                <a:extLst>
+                  <a:ext uri="{0D108BD9-81ED-4DB2-BD59-A6C34878D82A}">
+                    <a16:rowId xmlns:a16="http://schemas.microsoft.com/office/drawing/2014/main" val="3711086452"/>
+                  </a:ext>
+                </a:extLst>
+              </a:tr>
+              <a:tr h="128947">
+                <a:tc>
+                  <a:txBody>
+                    <a:bodyPr/>
+                    <a:lstStyle/>
+                    <a:p>
+                      <a:pPr algn="r"/>
+                      <a:r>
+                        <a:rPr kumimoji="1" lang="en-US" altLang="ja-JP" dirty="0">
+                          <a:latin typeface="メイリオ" panose="020B0604030504040204" pitchFamily="50" charset="-128"/>
+                          <a:ea typeface="メイリオ" panose="020B0604030504040204" pitchFamily="50" charset="-128"/>
+                        </a:rPr>
+                        <a:t>5</a:t>
+                      </a:r>
+                      <a:endParaRPr kumimoji="1" lang="ja-JP" altLang="en-US" dirty="0">
+                        <a:latin typeface="メイリオ" panose="020B0604030504040204" pitchFamily="50" charset="-128"/>
+                        <a:ea typeface="メイリオ" panose="020B0604030504040204" pitchFamily="50" charset="-128"/>
+                      </a:endParaRPr>
+                    </a:p>
+                  </a:txBody>
+                  <a:tcPr/>
+                </a:tc>
+                <a:tc>
+                  <a:txBody>
+                    <a:bodyPr/>
+                    <a:lstStyle/>
+                    <a:p>
+                      <a:pPr algn="r"/>
+                      <a:r>
+                        <a:rPr kumimoji="1" lang="en-US" altLang="ja-JP" dirty="0">
+                          <a:latin typeface="メイリオ" panose="020B0604030504040204" pitchFamily="50" charset="-128"/>
+                          <a:ea typeface="メイリオ" panose="020B0604030504040204" pitchFamily="50" charset="-128"/>
+                        </a:rPr>
+                        <a:t>79.25</a:t>
+                      </a:r>
+                      <a:endParaRPr kumimoji="1" lang="ja-JP" altLang="en-US" dirty="0">
+                        <a:latin typeface="メイリオ" panose="020B0604030504040204" pitchFamily="50" charset="-128"/>
+                        <a:ea typeface="メイリオ" panose="020B0604030504040204" pitchFamily="50" charset="-128"/>
+                      </a:endParaRPr>
+                    </a:p>
+                  </a:txBody>
+                  <a:tcPr/>
+                </a:tc>
+                <a:tc>
+                  <a:txBody>
+                    <a:bodyPr/>
+                    <a:lstStyle/>
+                    <a:p>
+                      <a:pPr algn="r"/>
+                      <a:r>
+                        <a:rPr kumimoji="1" lang="en-US" altLang="ja-JP" dirty="0">
+                          <a:latin typeface="メイリオ" panose="020B0604030504040204" pitchFamily="50" charset="-128"/>
+                          <a:ea typeface="メイリオ" panose="020B0604030504040204" pitchFamily="50" charset="-128"/>
+                        </a:rPr>
+                        <a:t>20.75</a:t>
+                      </a:r>
+                      <a:endParaRPr kumimoji="1" lang="ja-JP" altLang="en-US" dirty="0">
+                        <a:latin typeface="メイリオ" panose="020B0604030504040204" pitchFamily="50" charset="-128"/>
+                        <a:ea typeface="メイリオ" panose="020B0604030504040204" pitchFamily="50" charset="-128"/>
+                      </a:endParaRPr>
+                    </a:p>
+                  </a:txBody>
+                  <a:tcPr/>
+                </a:tc>
+                <a:extLst>
+                  <a:ext uri="{0D108BD9-81ED-4DB2-BD59-A6C34878D82A}">
+                    <a16:rowId xmlns:a16="http://schemas.microsoft.com/office/drawing/2014/main" val="2356823994"/>
+                  </a:ext>
+                </a:extLst>
+              </a:tr>
+            </a:tbl>
+          </a:graphicData>
+        </a:graphic>
+      </p:graphicFrame>
+      <p:pic>
+        <p:nvPicPr>
+          <p:cNvPr id="13" name="図 12">
+            <a:extLst>
+              <a:ext uri="{FF2B5EF4-FFF2-40B4-BE49-F238E27FC236}">
+                <a16:creationId xmlns:a16="http://schemas.microsoft.com/office/drawing/2014/main" id="{5950A974-F787-4AAB-96D2-3C6D6FB1C5C9}"/>
+              </a:ext>
+            </a:extLst>
+          </p:cNvPr>
+          <p:cNvPicPr>
+            <a:picLocks noChangeAspect="1"/>
+          </p:cNvPicPr>
+          <p:nvPr/>
+        </p:nvPicPr>
+        <p:blipFill>
+          <a:blip r:embed="rId2">
+            <a:extLst>
+              <a:ext uri="{28A0092B-C50C-407E-A947-70E740481C1C}">
+                <a14:useLocalDpi xmlns:a14="http://schemas.microsoft.com/office/drawing/2010/main" val="0"/>
+              </a:ext>
+            </a:extLst>
+          </a:blip>
+          <a:stretch>
+            <a:fillRect/>
+          </a:stretch>
+        </p:blipFill>
+        <p:spPr>
+          <a:xfrm>
+            <a:off x="628650" y="2909630"/>
+            <a:ext cx="5464508" cy="2787604"/>
+          </a:xfrm>
+          <a:prstGeom prst="rect">
+            <a:avLst/>
+          </a:prstGeom>
+        </p:spPr>
+      </p:pic>
+    </p:spTree>
+    <p:extLst>
+      <p:ext uri="{BB962C8B-B14F-4D97-AF65-F5344CB8AC3E}">
+        <p14:creationId xmlns:p14="http://schemas.microsoft.com/office/powerpoint/2010/main" val="82676198"/>
+      </p:ext>
+    </p:extLst>
+  </p:cSld>
+  <p:clrMapOvr>
+    <a:masterClrMapping/>
+  </p:clrMapOvr>
+</p:sld>
+</file>
+
+<file path=ppt/slides/slide16.xml><?xml version="1.0" encoding="utf-8"?>
+<p:sld xmlns:a="http://schemas.openxmlformats.org/drawingml/2006/main" xmlns:r="http://schemas.openxmlformats.org/officeDocument/2006/relationships" xmlns:p="http://schemas.openxmlformats.org/presentationml/2006/main">
+  <p:cSld>
+    <p:spTree>
+      <p:nvGrpSpPr>
+        <p:cNvPr id="1" name=""/>
+        <p:cNvGrpSpPr/>
+        <p:nvPr/>
+      </p:nvGrpSpPr>
+      <p:grpSpPr>
+        <a:xfrm>
+          <a:off x="0" y="0"/>
+          <a:ext cx="0" cy="0"/>
+          <a:chOff x="0" y="0"/>
+          <a:chExt cx="0" cy="0"/>
+        </a:xfrm>
+      </p:grpSpPr>
+      <p:sp>
+        <p:nvSpPr>
+          <p:cNvPr id="2" name="日付プレースホルダー 1">
+            <a:extLst>
+              <a:ext uri="{FF2B5EF4-FFF2-40B4-BE49-F238E27FC236}">
                 <a16:creationId xmlns:a16="http://schemas.microsoft.com/office/drawing/2014/main" id="{BBDF29D2-2880-4855-A8B6-626D3E718646}"/>
               </a:ext>
             </a:extLst>
@@ -7403,9 +8115,13 @@
             <a:fld id="{028E0EE4-20CD-4C8E-8CEF-2E9D9CC1E420}" type="slidenum">
               <a:rPr lang="ja-JP" altLang="en-US" smtClean="0"/>
               <a:pPr/>
-              <a:t>15</a:t>
+              <a:t>16</a:t>
             </a:fld>
-            <a:endParaRPr lang="ja-JP" altLang="en-US"/>
+            <a:r>
+              <a:rPr lang="en-US" altLang="ja-JP" dirty="0"/>
+              <a:t>/18</a:t>
+            </a:r>
+            <a:endParaRPr lang="ja-JP" altLang="en-US" dirty="0"/>
           </a:p>
         </p:txBody>
       </p:sp>
@@ -7442,7 +8158,7 @@
                 <a:latin typeface="メイリオ" panose="020B0604030504040204" pitchFamily="50" charset="-128"/>
                 <a:ea typeface="メイリオ" panose="020B0604030504040204" pitchFamily="50" charset="-128"/>
               </a:rPr>
-              <a:t>②について</a:t>
+              <a:t>③について</a:t>
             </a:r>
             <a:endParaRPr lang="en-US" altLang="ja-JP" dirty="0">
               <a:latin typeface="メイリオ" panose="020B0604030504040204" pitchFamily="50" charset="-128"/>
@@ -7515,7 +8231,7 @@
                 <a:latin typeface="メイリオ" panose="020B0604030504040204" pitchFamily="50" charset="-128"/>
                 <a:ea typeface="メイリオ" panose="020B0604030504040204" pitchFamily="50" charset="-128"/>
               </a:rPr>
-              <a:t>差は生まれませんでした</a:t>
+              <a:t>差はありませんでした</a:t>
             </a:r>
             <a:endParaRPr lang="en-US" altLang="ja-JP" dirty="0">
               <a:latin typeface="メイリオ" panose="020B0604030504040204" pitchFamily="50" charset="-128"/>
@@ -8498,7 +9214,7 @@
 </p:sld>
 </file>
 
-<file path=ppt/slides/slide16.xml><?xml version="1.0" encoding="utf-8"?>
+<file path=ppt/slides/slide17.xml><?xml version="1.0" encoding="utf-8"?>
 <p:sld xmlns:a="http://schemas.openxmlformats.org/drawingml/2006/main" xmlns:r="http://schemas.openxmlformats.org/officeDocument/2006/relationships" xmlns:p="http://schemas.openxmlformats.org/presentationml/2006/main">
   <p:cSld>
     <p:spTree>
@@ -8569,9 +9285,13 @@
             <a:fld id="{028E0EE4-20CD-4C8E-8CEF-2E9D9CC1E420}" type="slidenum">
               <a:rPr lang="ja-JP" altLang="en-US" smtClean="0"/>
               <a:pPr/>
-              <a:t>16</a:t>
+              <a:t>17</a:t>
             </a:fld>
-            <a:endParaRPr lang="ja-JP" altLang="en-US"/>
+            <a:r>
+              <a:rPr lang="en-US" altLang="ja-JP" dirty="0"/>
+              <a:t>/18</a:t>
+            </a:r>
+            <a:endParaRPr lang="ja-JP" altLang="en-US" dirty="0"/>
           </a:p>
         </p:txBody>
       </p:sp>
@@ -9569,7 +10289,7 @@
                 <a:latin typeface="メイリオ" panose="020B0604030504040204" pitchFamily="50" charset="-128"/>
                 <a:ea typeface="メイリオ" panose="020B0604030504040204" pitchFamily="50" charset="-128"/>
               </a:rPr>
-              <a:t>②について</a:t>
+              <a:t>③について</a:t>
             </a:r>
             <a:endParaRPr lang="en-US" altLang="ja-JP" dirty="0">
               <a:latin typeface="メイリオ" panose="020B0604030504040204" pitchFamily="50" charset="-128"/>
@@ -9650,7 +10370,7 @@
 </p:sld>
 </file>
 
-<file path=ppt/slides/slide17.xml><?xml version="1.0" encoding="utf-8"?>
+<file path=ppt/slides/slide18.xml><?xml version="1.0" encoding="utf-8"?>
 <p:sld xmlns:a="http://schemas.openxmlformats.org/drawingml/2006/main" xmlns:r="http://schemas.openxmlformats.org/officeDocument/2006/relationships" xmlns:p="http://schemas.openxmlformats.org/presentationml/2006/main">
   <p:cSld>
     <p:spTree>
@@ -9721,9 +10441,13 @@
             <a:fld id="{028E0EE4-20CD-4C8E-8CEF-2E9D9CC1E420}" type="slidenum">
               <a:rPr lang="ja-JP" altLang="en-US" smtClean="0"/>
               <a:pPr/>
-              <a:t>17</a:t>
+              <a:t>18</a:t>
             </a:fld>
-            <a:endParaRPr lang="ja-JP" altLang="en-US"/>
+            <a:r>
+              <a:rPr lang="en-US" altLang="ja-JP" dirty="0"/>
+              <a:t>/18</a:t>
+            </a:r>
+            <a:endParaRPr lang="ja-JP" altLang="en-US" dirty="0"/>
           </a:p>
         </p:txBody>
       </p:sp>
@@ -9909,7 +10633,7 @@
                 <a:latin typeface="メイリオ" panose="020B0604030504040204" pitchFamily="50" charset="-128"/>
                 <a:ea typeface="メイリオ" panose="020B0604030504040204" pitchFamily="50" charset="-128"/>
               </a:rPr>
-              <a:t>　ありますが、明確な分かれ目は不明瞭なものになると考えられます</a:t>
+              <a:t>　ありますが、分類の基準は不明瞭なものになると考えられます</a:t>
             </a:r>
             <a:endParaRPr kumimoji="1" lang="en-US" altLang="ja-JP" dirty="0">
               <a:latin typeface="メイリオ" panose="020B0604030504040204" pitchFamily="50" charset="-128"/>
@@ -9946,7 +10670,7 @@
         <p:spPr>
           <a:xfrm>
             <a:off x="508337" y="139271"/>
-            <a:ext cx="2262158" cy="369332"/>
+            <a:ext cx="1569660" cy="276999"/>
           </a:xfrm>
           <a:prstGeom prst="rect">
             <a:avLst/>
@@ -9959,7 +10683,7 @@
           <a:lstStyle/>
           <a:p>
             <a:r>
-              <a:rPr lang="ja-JP" altLang="en-US" dirty="0">
+              <a:rPr lang="ja-JP" altLang="en-US" sz="1200" dirty="0">
                 <a:solidFill>
                   <a:schemeClr val="bg1"/>
                 </a:solidFill>
@@ -9968,7 +10692,7 @@
               </a:rPr>
               <a:t>今後の分析について</a:t>
             </a:r>
-            <a:endParaRPr lang="en-US" altLang="ja-JP" dirty="0">
+            <a:endParaRPr lang="en-US" altLang="ja-JP" sz="1200" dirty="0">
               <a:solidFill>
                 <a:schemeClr val="bg1"/>
               </a:solidFill>
@@ -10080,7 +10804,7 @@
                   <a:schemeClr val="bg1"/>
                 </a:solidFill>
               </a:rPr>
-              <a:t>/17</a:t>
+              <a:t>/18</a:t>
             </a:r>
             <a:endParaRPr kumimoji="1" lang="ja-JP" altLang="en-US" dirty="0">
               <a:solidFill>
@@ -10353,7 +11077,10 @@
               <a:pPr/>
               <a:t>3</a:t>
             </a:fld>
-            <a:endParaRPr lang="ja-JP" altLang="en-US" dirty="0"/>
+            <a:r>
+              <a:rPr lang="en-US" altLang="ja-JP" dirty="0"/>
+              <a:t>/18</a:t>
+            </a:r>
           </a:p>
         </p:txBody>
       </p:sp>
@@ -10520,7 +11247,7 @@
         <p:spPr>
           <a:xfrm>
             <a:off x="508337" y="139271"/>
-            <a:ext cx="1338828" cy="369332"/>
+            <a:ext cx="954107" cy="276999"/>
           </a:xfrm>
           <a:prstGeom prst="rect">
             <a:avLst/>
@@ -10533,7 +11260,7 @@
           <a:lstStyle/>
           <a:p>
             <a:r>
-              <a:rPr lang="ja-JP" altLang="en-US" dirty="0">
+              <a:rPr lang="ja-JP" altLang="en-US" sz="1200" dirty="0">
                 <a:solidFill>
                   <a:schemeClr val="bg1"/>
                 </a:solidFill>
@@ -10542,7 +11269,7 @@
               </a:rPr>
               <a:t>分析の目的</a:t>
             </a:r>
-            <a:endParaRPr lang="en-US" altLang="ja-JP" dirty="0">
+            <a:endParaRPr lang="en-US" altLang="ja-JP" sz="1200" dirty="0">
               <a:solidFill>
                 <a:schemeClr val="bg1"/>
               </a:solidFill>
@@ -10638,6 +11365,10 @@
               <a:pPr/>
               <a:t>4</a:t>
             </a:fld>
+            <a:r>
+              <a:rPr lang="en-US" altLang="ja-JP" dirty="0"/>
+              <a:t>/18</a:t>
+            </a:r>
             <a:endParaRPr lang="ja-JP" altLang="en-US" dirty="0"/>
           </a:p>
         </p:txBody>
@@ -10657,7 +11388,7 @@
         <p:spPr>
           <a:xfrm>
             <a:off x="508337" y="139271"/>
-            <a:ext cx="1107996" cy="369332"/>
+            <a:ext cx="800219" cy="276999"/>
           </a:xfrm>
           <a:prstGeom prst="rect">
             <a:avLst/>
@@ -10670,7 +11401,7 @@
           <a:lstStyle/>
           <a:p>
             <a:r>
-              <a:rPr lang="ja-JP" altLang="en-US" dirty="0">
+              <a:rPr lang="ja-JP" altLang="en-US" sz="1200" dirty="0">
                 <a:solidFill>
                   <a:schemeClr val="bg1"/>
                 </a:solidFill>
@@ -10679,7 +11410,7 @@
               </a:rPr>
               <a:t>サマリー</a:t>
             </a:r>
-            <a:endParaRPr lang="en-US" altLang="ja-JP" dirty="0">
+            <a:endParaRPr lang="en-US" altLang="ja-JP" sz="1200" dirty="0">
               <a:solidFill>
                 <a:schemeClr val="bg1"/>
               </a:solidFill>
@@ -10704,7 +11435,7 @@
         <p:spPr>
           <a:xfrm>
             <a:off x="628650" y="1066963"/>
-            <a:ext cx="7886700" cy="3139321"/>
+            <a:ext cx="7886700" cy="4247317"/>
           </a:xfrm>
           <a:prstGeom prst="rect">
             <a:avLst/>
@@ -10768,6 +11499,31 @@
           </a:p>
           <a:p>
             <a:r>
+              <a:rPr lang="ja-JP" altLang="en-US" dirty="0">
+                <a:latin typeface="メイリオ" panose="020B0604030504040204" pitchFamily="50" charset="-128"/>
+                <a:ea typeface="メイリオ" panose="020B0604030504040204" pitchFamily="50" charset="-128"/>
+              </a:rPr>
+              <a:t>・オブジェクトの数が少ない場合、認識されやすくなる可能性があります</a:t>
+            </a:r>
+            <a:endParaRPr lang="en-US" altLang="ja-JP" dirty="0">
+              <a:latin typeface="メイリオ" panose="020B0604030504040204" pitchFamily="50" charset="-128"/>
+              <a:ea typeface="メイリオ" panose="020B0604030504040204" pitchFamily="50" charset="-128"/>
+            </a:endParaRPr>
+          </a:p>
+          <a:p>
+            <a:endParaRPr lang="en-US" altLang="ja-JP" dirty="0">
+              <a:latin typeface="メイリオ" panose="020B0604030504040204" pitchFamily="50" charset="-128"/>
+              <a:ea typeface="メイリオ" panose="020B0604030504040204" pitchFamily="50" charset="-128"/>
+            </a:endParaRPr>
+          </a:p>
+          <a:p>
+            <a:endParaRPr lang="en-US" altLang="ja-JP" dirty="0">
+              <a:latin typeface="メイリオ" panose="020B0604030504040204" pitchFamily="50" charset="-128"/>
+              <a:ea typeface="メイリオ" panose="020B0604030504040204" pitchFamily="50" charset="-128"/>
+            </a:endParaRPr>
+          </a:p>
+          <a:p>
+            <a:r>
               <a:rPr kumimoji="1" lang="ja-JP" altLang="en-US" dirty="0">
                 <a:latin typeface="メイリオ" panose="020B0604030504040204" pitchFamily="50" charset="-128"/>
                 <a:ea typeface="メイリオ" panose="020B0604030504040204" pitchFamily="50" charset="-128"/>
@@ -10788,6 +11544,12 @@
               <a:t>　という違いから調べたが大きな差はありませんでした</a:t>
             </a:r>
             <a:endParaRPr lang="en-US" altLang="ja-JP" dirty="0">
+              <a:latin typeface="メイリオ" panose="020B0604030504040204" pitchFamily="50" charset="-128"/>
+              <a:ea typeface="メイリオ" panose="020B0604030504040204" pitchFamily="50" charset="-128"/>
+            </a:endParaRPr>
+          </a:p>
+          <a:p>
+            <a:endParaRPr kumimoji="1" lang="en-US" altLang="ja-JP" dirty="0">
               <a:latin typeface="メイリオ" panose="020B0604030504040204" pitchFamily="50" charset="-128"/>
               <a:ea typeface="メイリオ" panose="020B0604030504040204" pitchFamily="50" charset="-128"/>
             </a:endParaRPr>
@@ -10912,6 +11674,10 @@
               <a:pPr/>
               <a:t>5</a:t>
             </a:fld>
+            <a:r>
+              <a:rPr lang="en-US" altLang="ja-JP" dirty="0"/>
+              <a:t>/18</a:t>
+            </a:r>
             <a:endParaRPr lang="ja-JP" altLang="en-US" dirty="0"/>
           </a:p>
         </p:txBody>
@@ -11725,7 +12491,7 @@
         <p:spPr>
           <a:xfrm>
             <a:off x="508337" y="139271"/>
-            <a:ext cx="2031325" cy="369332"/>
+            <a:ext cx="1415772" cy="276999"/>
           </a:xfrm>
           <a:prstGeom prst="rect">
             <a:avLst/>
@@ -11738,7 +12504,7 @@
           <a:lstStyle/>
           <a:p>
             <a:r>
-              <a:rPr lang="ja-JP" altLang="en-US" dirty="0">
+              <a:rPr lang="ja-JP" altLang="en-US" sz="1200" dirty="0">
                 <a:solidFill>
                   <a:schemeClr val="bg1"/>
                 </a:solidFill>
@@ -11747,7 +12513,7 @@
               </a:rPr>
               <a:t>データセット概要</a:t>
             </a:r>
-            <a:endParaRPr lang="en-US" altLang="ja-JP" dirty="0">
+            <a:endParaRPr lang="en-US" altLang="ja-JP" sz="1200" dirty="0">
               <a:solidFill>
                 <a:schemeClr val="bg1"/>
               </a:solidFill>
@@ -11989,7 +12755,11 @@
               <a:pPr/>
               <a:t>6</a:t>
             </a:fld>
-            <a:endParaRPr lang="ja-JP" altLang="en-US"/>
+            <a:r>
+              <a:rPr lang="en-US" altLang="ja-JP" dirty="0"/>
+              <a:t>/18</a:t>
+            </a:r>
+            <a:endParaRPr lang="ja-JP" altLang="en-US" dirty="0"/>
           </a:p>
         </p:txBody>
       </p:sp>
@@ -12008,7 +12778,7 @@
         <p:spPr>
           <a:xfrm>
             <a:off x="508337" y="139271"/>
-            <a:ext cx="1107996" cy="369332"/>
+            <a:ext cx="800219" cy="276999"/>
           </a:xfrm>
           <a:prstGeom prst="rect">
             <a:avLst/>
@@ -12021,7 +12791,7 @@
           <a:lstStyle/>
           <a:p>
             <a:r>
-              <a:rPr lang="ja-JP" altLang="en-US" dirty="0">
+              <a:rPr lang="ja-JP" altLang="en-US" sz="1200" dirty="0">
                 <a:solidFill>
                   <a:schemeClr val="bg1"/>
                 </a:solidFill>
@@ -12030,7 +12800,7 @@
               </a:rPr>
               <a:t>仮説設定</a:t>
             </a:r>
-            <a:endParaRPr lang="en-US" altLang="ja-JP" dirty="0">
+            <a:endParaRPr lang="en-US" altLang="ja-JP" sz="1200" dirty="0">
               <a:solidFill>
                 <a:schemeClr val="bg1"/>
               </a:solidFill>
@@ -12295,7 +13065,11 @@
               <a:pPr/>
               <a:t>7</a:t>
             </a:fld>
-            <a:endParaRPr lang="ja-JP" altLang="en-US"/>
+            <a:r>
+              <a:rPr lang="en-US" altLang="ja-JP" dirty="0"/>
+              <a:t>/18</a:t>
+            </a:r>
+            <a:endParaRPr lang="ja-JP" altLang="en-US" dirty="0"/>
           </a:p>
         </p:txBody>
       </p:sp>
@@ -12464,7 +13238,7 @@
         <p:spPr>
           <a:xfrm>
             <a:off x="508337" y="139271"/>
-            <a:ext cx="1107996" cy="369332"/>
+            <a:ext cx="800219" cy="276999"/>
           </a:xfrm>
           <a:prstGeom prst="rect">
             <a:avLst/>
@@ -12477,7 +13251,7 @@
           <a:lstStyle/>
           <a:p>
             <a:r>
-              <a:rPr lang="ja-JP" altLang="en-US" dirty="0">
+              <a:rPr lang="ja-JP" altLang="en-US" sz="1200" dirty="0">
                 <a:solidFill>
                   <a:schemeClr val="bg1"/>
                 </a:solidFill>
@@ -12486,7 +13260,7 @@
               </a:rPr>
               <a:t>分析方針</a:t>
             </a:r>
-            <a:endParaRPr lang="en-US" altLang="ja-JP" dirty="0">
+            <a:endParaRPr lang="en-US" altLang="ja-JP" sz="1200" dirty="0">
               <a:solidFill>
                 <a:schemeClr val="bg1"/>
               </a:solidFill>
@@ -12582,7 +13356,11 @@
               <a:pPr/>
               <a:t>8</a:t>
             </a:fld>
-            <a:endParaRPr lang="ja-JP" altLang="en-US"/>
+            <a:r>
+              <a:rPr lang="en-US" altLang="ja-JP" dirty="0"/>
+              <a:t>/18</a:t>
+            </a:r>
+            <a:endParaRPr lang="ja-JP" altLang="en-US" dirty="0"/>
           </a:p>
         </p:txBody>
       </p:sp>
@@ -13689,7 +14467,11 @@
               <a:pPr/>
               <a:t>9</a:t>
             </a:fld>
-            <a:endParaRPr lang="ja-JP" altLang="en-US"/>
+            <a:r>
+              <a:rPr lang="en-US" altLang="ja-JP" dirty="0"/>
+              <a:t>/18</a:t>
+            </a:r>
+            <a:endParaRPr lang="ja-JP" altLang="en-US" dirty="0"/>
           </a:p>
         </p:txBody>
       </p:sp>
@@ -14350,13 +15132,13 @@
           <p:nvPr>
             <p:extLst>
               <p:ext uri="{D42A27DB-BD31-4B8C-83A1-F6EECF244321}">
-                <p14:modId xmlns:p14="http://schemas.microsoft.com/office/powerpoint/2010/main" val="3108592123"/>
+                <p14:modId xmlns:p14="http://schemas.microsoft.com/office/powerpoint/2010/main" val="1135648419"/>
               </p:ext>
             </p:extLst>
           </p:nvPr>
         </p:nvGraphicFramePr>
         <p:xfrm>
-          <a:off x="4446942" y="4780829"/>
+          <a:off x="4385868" y="4718438"/>
           <a:ext cx="4022015" cy="891540"/>
         </p:xfrm>
         <a:graphic>
@@ -14599,10 +15381,10 @@
       </p:graphicFrame>
       <p:cxnSp>
         <p:nvCxnSpPr>
-          <p:cNvPr id="16" name="コネクタ: カギ線 15">
+          <p:cNvPr id="10" name="コネクタ: カギ線 9">
             <a:extLst>
               <a:ext uri="{FF2B5EF4-FFF2-40B4-BE49-F238E27FC236}">
-                <a16:creationId xmlns:a16="http://schemas.microsoft.com/office/drawing/2014/main" id="{35367D37-B3A9-4B50-A6F9-F53AC04A3028}"/>
+                <a16:creationId xmlns:a16="http://schemas.microsoft.com/office/drawing/2014/main" id="{896D226A-080D-47C3-BF12-36E580829A33}"/>
               </a:ext>
             </a:extLst>
           </p:cNvPr>
@@ -14613,8 +15395,8 @@
         </p:nvCxnSpPr>
         <p:spPr>
           <a:xfrm>
-            <a:off x="5003788" y="3560193"/>
-            <a:ext cx="1454162" cy="802400"/>
+            <a:off x="5312607" y="3700547"/>
+            <a:ext cx="1126213" cy="890313"/>
           </a:xfrm>
           <a:prstGeom prst="bentConnector2">
             <a:avLst/>
